--- a/Powerpoints/Final Presentation/Waste-management-Nikos.pptx
+++ b/Powerpoints/Final Presentation/Waste-management-Nikos.pptx
@@ -11950,7 +11950,12 @@
             <p:ph type="ctrTitle"/>
           </p:nvPr>
         </p:nvSpPr>
-        <p:spPr/>
+        <p:spPr>
+          <a:xfrm>
+            <a:off x="1213027" y="993628"/>
+            <a:ext cx="10058400" cy="2409329"/>
+          </a:xfrm>
+        </p:spPr>
         <p:txBody>
           <a:bodyPr>
             <a:normAutofit/>
@@ -11982,19 +11987,23 @@
         </p:nvSpPr>
         <p:spPr>
           <a:xfrm>
-            <a:off x="1100051" y="4645152"/>
-            <a:ext cx="10058400" cy="1143000"/>
+            <a:off x="1100051" y="4363656"/>
+            <a:ext cx="10058400" cy="1424496"/>
           </a:xfrm>
         </p:spPr>
         <p:txBody>
           <a:bodyPr>
-            <a:normAutofit fontScale="77500" lnSpcReduction="20000"/>
+            <a:normAutofit fontScale="92500" lnSpcReduction="10000"/>
           </a:bodyPr>
           <a:lstStyle/>
           <a:p>
             <a:r>
+              <a:rPr lang="en-US" cap="none" dirty="0" err="1"/>
+              <a:t>Fragiskos</a:t>
+            </a:r>
+            <a:r>
               <a:rPr lang="en-US" cap="none" dirty="0"/>
-              <a:t>Fragiskos Fourlas (1059336)</a:t>
+              <a:t> Fourlas (1059336)</a:t>
             </a:r>
           </a:p>
           <a:p>
@@ -12016,6 +12025,48 @@
               <a:rPr lang="en-US" cap="none" dirty="0"/>
               <a:t>Nikos Panagiotopoulos (1053552)</a:t>
             </a:r>
+          </a:p>
+        </p:txBody>
+      </p:sp>
+      <p:sp>
+        <p:nvSpPr>
+          <p:cNvPr id="2" name="TextBox 1">
+            <a:extLst>
+              <a:ext uri="{FF2B5EF4-FFF2-40B4-BE49-F238E27FC236}">
+                <a16:creationId xmlns:a16="http://schemas.microsoft.com/office/drawing/2014/main" id="{5F3D4F2D-AA7C-4BE5-BC7F-610571278409}"/>
+              </a:ext>
+            </a:extLst>
+          </p:cNvPr>
+          <p:cNvSpPr txBox="1"/>
+          <p:nvPr/>
+        </p:nvSpPr>
+        <p:spPr>
+          <a:xfrm>
+            <a:off x="1100051" y="3842795"/>
+            <a:ext cx="8009225" cy="659757"/>
+          </a:xfrm>
+          <a:prstGeom prst="rect">
+            <a:avLst/>
+          </a:prstGeom>
+          <a:noFill/>
+        </p:spPr>
+        <p:txBody>
+          <a:bodyPr wrap="square" rtlCol="0">
+            <a:spAutoFit/>
+          </a:bodyPr>
+          <a:lstStyle/>
+          <a:p>
+            <a:r>
+              <a:rPr lang="en-US" cap="none" dirty="0" err="1"/>
+              <a:t>Github</a:t>
+            </a:r>
+            <a:r>
+              <a:rPr lang="en-US" cap="none" dirty="0"/>
+              <a:t> repository: https://github.com/marios-stam/Project_IOT</a:t>
+            </a:r>
+          </a:p>
+          <a:p>
+            <a:endParaRPr lang="en-US" dirty="0"/>
           </a:p>
         </p:txBody>
       </p:sp>
@@ -13221,7 +13272,7 @@
             </a:pPr>
             <a:r>
               <a:rPr lang="en-US" dirty="0"/>
-              <a:t>Dummy Sensors bug (Launching creates 2 SensorGateways can only communicate with one)</a:t>
+              <a:t>The maximum number of bins per route is 25 due to the limitation of the free version of Grasshoper API</a:t>
             </a:r>
           </a:p>
           <a:p>
@@ -13976,7 +14027,12 @@
             <p:ph idx="1"/>
           </p:nvPr>
         </p:nvSpPr>
-        <p:spPr/>
+        <p:spPr>
+          <a:xfrm>
+            <a:off x="1066800" y="1876707"/>
+            <a:ext cx="10058400" cy="3760891"/>
+          </a:xfrm>
+        </p:spPr>
         <p:txBody>
           <a:bodyPr/>
           <a:lstStyle/>
@@ -13995,12 +14051,6 @@
           <a:p>
             <a:r>
               <a:rPr lang="en-US" dirty="0"/>
-              <a:t>SQLite Database interface</a:t>
-            </a:r>
-          </a:p>
-          <a:p>
-            <a:r>
-              <a:rPr lang="en-US" dirty="0"/>
               <a:t>Handling all HTTP requests from and to services</a:t>
             </a:r>
           </a:p>
@@ -14026,8 +14076,10 @@
             </a:r>
           </a:p>
           <a:p>
-            <a:pPr lvl="1"/>
-            <a:endParaRPr lang="en-US" dirty="0"/>
+            <a:r>
+              <a:rPr lang="en-US" dirty="0"/>
+              <a:t>Implemented all functions that interface with Database needed for  front-end and the other services</a:t>
+            </a:r>
           </a:p>
           <a:p>
             <a:pPr marL="0" indent="0">
@@ -14201,129 +14253,37 @@
           <a:chExt cx="0" cy="0"/>
         </a:xfrm>
       </p:grpSpPr>
-      <p:sp>
-        <p:nvSpPr>
-          <p:cNvPr id="2" name="Θέση περιεχομένου 1">
+      <p:pic>
+        <p:nvPicPr>
+          <p:cNvPr id="5" name="Εικόνα 4">
             <a:extLst>
               <a:ext uri="{FF2B5EF4-FFF2-40B4-BE49-F238E27FC236}">
-                <a16:creationId xmlns:a16="http://schemas.microsoft.com/office/drawing/2014/main" id="{D2A6D292-6326-4D5F-A727-0D22482010F2}"/>
+                <a16:creationId xmlns:a16="http://schemas.microsoft.com/office/drawing/2014/main" id="{EB017527-F003-4AF0-BA04-EDAE5CA05DD0}"/>
               </a:ext>
             </a:extLst>
           </p:cNvPr>
-          <p:cNvSpPr>
-            <a:spLocks noGrp="1"/>
-          </p:cNvSpPr>
-          <p:nvPr>
-            <p:ph idx="1"/>
-          </p:nvPr>
-        </p:nvSpPr>
-        <p:spPr/>
-        <p:txBody>
-          <a:bodyPr/>
-          <a:lstStyle/>
-          <a:p>
-            <a:pPr marL="457200" indent="-457200">
-              <a:buClr>
-                <a:schemeClr val="tx2">
-                  <a:lumMod val="65000"/>
-                  <a:lumOff val="35000"/>
-                </a:schemeClr>
-              </a:buClr>
-              <a:buFont typeface="+mj-lt"/>
-              <a:buAutoNum type="arabicPeriod"/>
-            </a:pPr>
-            <a:r>
-              <a:rPr lang="en-US" dirty="0"/>
-              <a:t>Check all available trucks at the moment</a:t>
-            </a:r>
-          </a:p>
-          <a:p>
-            <a:pPr marL="457200" indent="-457200">
-              <a:buClr>
-                <a:schemeClr val="tx2">
-                  <a:lumMod val="65000"/>
-                  <a:lumOff val="35000"/>
-                </a:schemeClr>
-              </a:buClr>
-              <a:buFont typeface="+mj-lt"/>
-              <a:buAutoNum type="arabicPeriod"/>
-            </a:pPr>
-            <a:r>
-              <a:rPr lang="en-US" dirty="0"/>
-              <a:t>Check all bins that need pickup</a:t>
-            </a:r>
-          </a:p>
-          <a:p>
-            <a:pPr marL="457200" indent="-457200">
-              <a:buClr>
-                <a:schemeClr val="tx2">
-                  <a:lumMod val="65000"/>
-                  <a:lumOff val="35000"/>
-                </a:schemeClr>
-              </a:buClr>
-              <a:buFont typeface="+mj-lt"/>
-              <a:buAutoNum type="arabicPeriod"/>
-            </a:pPr>
-            <a:r>
-              <a:rPr lang="en-US" dirty="0"/>
-              <a:t>Transform it into travelling salesman problem (</a:t>
-            </a:r>
-            <a:r>
-              <a:rPr lang="en-US" dirty="0" err="1"/>
-              <a:t>GraphHopper</a:t>
-            </a:r>
-            <a:r>
-              <a:rPr lang="en-US" dirty="0"/>
-              <a:t> API)</a:t>
-            </a:r>
-          </a:p>
-          <a:p>
-            <a:pPr marL="457200" indent="-457200">
-              <a:buClr>
-                <a:schemeClr val="tx2">
-                  <a:lumMod val="65000"/>
-                  <a:lumOff val="35000"/>
-                </a:schemeClr>
-              </a:buClr>
-              <a:buFont typeface="+mj-lt"/>
-              <a:buAutoNum type="arabicPeriod"/>
-            </a:pPr>
-            <a:r>
-              <a:rPr lang="en-US" dirty="0"/>
-              <a:t>Each truck is assigned to specific bins</a:t>
-            </a:r>
-          </a:p>
-          <a:p>
-            <a:pPr marL="457200" indent="-457200">
-              <a:buClr>
-                <a:schemeClr val="tx2">
-                  <a:lumMod val="65000"/>
-                  <a:lumOff val="35000"/>
-                </a:schemeClr>
-              </a:buClr>
-              <a:buFont typeface="+mj-lt"/>
-              <a:buAutoNum type="arabicPeriod"/>
-            </a:pPr>
-            <a:r>
-              <a:rPr lang="en-US" dirty="0"/>
-              <a:t> Calculating directions for every truck and send them as JSON</a:t>
-            </a:r>
-          </a:p>
-          <a:p>
-            <a:pPr marL="457200" indent="-457200">
-              <a:buClr>
-                <a:schemeClr val="tx2">
-                  <a:lumMod val="65000"/>
-                  <a:lumOff val="35000"/>
-                </a:schemeClr>
-              </a:buClr>
-              <a:buFont typeface="+mj-lt"/>
-              <a:buAutoNum type="arabicPeriod"/>
-            </a:pPr>
-            <a:endParaRPr lang="en-US" dirty="0"/>
-          </a:p>
-        </p:txBody>
-      </p:sp>
+          <p:cNvPicPr>
+            <a:picLocks noChangeAspect="1"/>
+          </p:cNvPicPr>
+          <p:nvPr/>
+        </p:nvPicPr>
+        <p:blipFill>
+          <a:blip r:embed="rId2"/>
+          <a:stretch>
+            <a:fillRect/>
+          </a:stretch>
+        </p:blipFill>
+        <p:spPr>
+          <a:xfrm>
+            <a:off x="5646756" y="1824157"/>
+            <a:ext cx="5834449" cy="3442324"/>
+          </a:xfrm>
+          <a:prstGeom prst="rect">
+            <a:avLst/>
+          </a:prstGeom>
+          <a:noFill/>
+        </p:spPr>
+      </p:pic>
       <p:sp>
         <p:nvSpPr>
           <p:cNvPr id="3" name="Τίτλος 2">
@@ -14340,15 +14300,160 @@
             <p:ph type="title"/>
           </p:nvPr>
         </p:nvSpPr>
-        <p:spPr/>
+        <p:spPr>
+          <a:xfrm>
+            <a:off x="1195754" y="942870"/>
+            <a:ext cx="4157296" cy="1292750"/>
+          </a:xfrm>
+        </p:spPr>
         <p:txBody>
-          <a:bodyPr/>
+          <a:bodyPr anchor="ctr">
+            <a:normAutofit/>
+          </a:bodyPr>
           <a:lstStyle/>
           <a:p>
             <a:r>
               <a:rPr lang="en-US" dirty="0"/>
               <a:t>TRUCK FLEET ROUTING</a:t>
             </a:r>
+          </a:p>
+        </p:txBody>
+      </p:sp>
+      <p:sp>
+        <p:nvSpPr>
+          <p:cNvPr id="2" name="Θέση περιεχομένου 1">
+            <a:extLst>
+              <a:ext uri="{FF2B5EF4-FFF2-40B4-BE49-F238E27FC236}">
+                <a16:creationId xmlns:a16="http://schemas.microsoft.com/office/drawing/2014/main" id="{D2A6D292-6326-4D5F-A727-0D22482010F2}"/>
+              </a:ext>
+            </a:extLst>
+          </p:cNvPr>
+          <p:cNvSpPr>
+            <a:spLocks noGrp="1"/>
+          </p:cNvSpPr>
+          <p:nvPr>
+            <p:ph sz="half" idx="2"/>
+          </p:nvPr>
+        </p:nvSpPr>
+        <p:spPr>
+          <a:xfrm>
+            <a:off x="1195754" y="2281657"/>
+            <a:ext cx="4157296" cy="3633471"/>
+          </a:xfrm>
+        </p:spPr>
+        <p:txBody>
+          <a:bodyPr>
+            <a:normAutofit/>
+          </a:bodyPr>
+          <a:lstStyle/>
+          <a:p>
+            <a:pPr marL="457200" indent="-457200">
+              <a:buClr>
+                <a:schemeClr val="tx2">
+                  <a:lumMod val="65000"/>
+                  <a:lumOff val="35000"/>
+                </a:schemeClr>
+              </a:buClr>
+              <a:buFont typeface="+mj-lt"/>
+              <a:buAutoNum type="arabicPeriod"/>
+            </a:pPr>
+            <a:r>
+              <a:rPr lang="en-US" dirty="0"/>
+              <a:t>Check all available trucks at the moment</a:t>
+            </a:r>
+          </a:p>
+          <a:p>
+            <a:pPr marL="457200" indent="-457200">
+              <a:buClr>
+                <a:schemeClr val="tx2">
+                  <a:lumMod val="65000"/>
+                  <a:lumOff val="35000"/>
+                </a:schemeClr>
+              </a:buClr>
+              <a:buFont typeface="+mj-lt"/>
+              <a:buAutoNum type="arabicPeriod"/>
+            </a:pPr>
+            <a:r>
+              <a:rPr lang="en-US" dirty="0"/>
+              <a:t>Check all bins that need pickup</a:t>
+            </a:r>
+          </a:p>
+          <a:p>
+            <a:pPr marL="457200" indent="-457200">
+              <a:buClr>
+                <a:schemeClr val="tx2">
+                  <a:lumMod val="65000"/>
+                  <a:lumOff val="35000"/>
+                </a:schemeClr>
+              </a:buClr>
+              <a:buFont typeface="+mj-lt"/>
+              <a:buAutoNum type="arabicPeriod"/>
+            </a:pPr>
+            <a:r>
+              <a:rPr lang="en-US" dirty="0"/>
+              <a:t>Transform it into travelling salesman problem (</a:t>
+            </a:r>
+            <a:r>
+              <a:rPr lang="en-US" dirty="0" err="1"/>
+              <a:t>GraphHopper</a:t>
+            </a:r>
+            <a:r>
+              <a:rPr lang="en-US" dirty="0"/>
+              <a:t> API)</a:t>
+            </a:r>
+          </a:p>
+          <a:p>
+            <a:pPr marL="457200" indent="-457200">
+              <a:buClr>
+                <a:schemeClr val="tx2">
+                  <a:lumMod val="65000"/>
+                  <a:lumOff val="35000"/>
+                </a:schemeClr>
+              </a:buClr>
+              <a:buFont typeface="+mj-lt"/>
+              <a:buAutoNum type="arabicPeriod"/>
+            </a:pPr>
+            <a:r>
+              <a:rPr lang="en-US" dirty="0"/>
+              <a:t>Each truck is assigned to specific bins</a:t>
+            </a:r>
+          </a:p>
+          <a:p>
+            <a:pPr marL="457200" indent="-457200">
+              <a:buClr>
+                <a:schemeClr val="tx2">
+                  <a:lumMod val="65000"/>
+                  <a:lumOff val="35000"/>
+                </a:schemeClr>
+              </a:buClr>
+              <a:buFont typeface="+mj-lt"/>
+              <a:buAutoNum type="arabicPeriod"/>
+            </a:pPr>
+            <a:r>
+              <a:rPr lang="en-US" dirty="0"/>
+              <a:t> Calculating directions for every truck and send them as JSON (</a:t>
+            </a:r>
+            <a:r>
+              <a:rPr lang="en-US" dirty="0" err="1"/>
+              <a:t>Mapbox</a:t>
+            </a:r>
+            <a:r>
+              <a:rPr lang="en-US" dirty="0"/>
+              <a:t> API)</a:t>
+            </a:r>
+          </a:p>
+          <a:p>
+            <a:pPr marL="457200" indent="-457200">
+              <a:buClr>
+                <a:schemeClr val="tx2">
+                  <a:lumMod val="65000"/>
+                  <a:lumOff val="35000"/>
+                </a:schemeClr>
+              </a:buClr>
+              <a:buFont typeface="+mj-lt"/>
+              <a:buAutoNum type="arabicPeriod"/>
+            </a:pPr>
+            <a:endParaRPr lang="en-US" dirty="0"/>
           </a:p>
         </p:txBody>
       </p:sp>
@@ -15314,21 +15419,21 @@
 </file>
 
 <file path=customXml/item2.xml><?xml version="1.0" encoding="utf-8"?>
+<?mso-contentType ?>
+<FormTemplates xmlns="http://schemas.microsoft.com/sharepoint/v3/contenttype/forms">
+  <Display>DocumentLibraryForm</Display>
+  <Edit>DocumentLibraryForm</Edit>
+  <New>DocumentLibraryForm</New>
+</FormTemplates>
+</file>
+
+<file path=customXml/item3.xml><?xml version="1.0" encoding="utf-8"?>
 <p:properties xmlns:p="http://schemas.microsoft.com/office/2006/metadata/properties" xmlns:xsi="http://www.w3.org/2001/XMLSchema-instance" xmlns:pc="http://schemas.microsoft.com/office/infopath/2007/PartnerControls">
   <documentManagement>
     <Status xmlns="71af3243-3dd4-4a8d-8c0d-dd76da1f02a5">Not started</Status>
     <MediaServiceKeyPoints xmlns="71af3243-3dd4-4a8d-8c0d-dd76da1f02a5" xsi:nil="true"/>
   </documentManagement>
 </p:properties>
-</file>
-
-<file path=customXml/item3.xml><?xml version="1.0" encoding="utf-8"?>
-<?mso-contentType ?>
-<FormTemplates xmlns="http://schemas.microsoft.com/sharepoint/v3/contenttype/forms">
-  <Display>DocumentLibraryForm</Display>
-  <Edit>DocumentLibraryForm</Edit>
-  <New>DocumentLibraryForm</New>
-</FormTemplates>
 </file>
 
 <file path=customXml/itemProps1.xml><?xml version="1.0" encoding="utf-8"?>
@@ -15351,6 +15456,14 @@
 </file>
 
 <file path=customXml/itemProps2.xml><?xml version="1.0" encoding="utf-8"?>
+<ds:datastoreItem xmlns:ds="http://schemas.openxmlformats.org/officeDocument/2006/customXml" ds:itemID="{5029FA76-0C86-4BF1-99F1-A3115FBFFAB0}">
+  <ds:schemaRefs>
+    <ds:schemaRef ds:uri="http://schemas.microsoft.com/sharepoint/v3/contenttype/forms"/>
+  </ds:schemaRefs>
+</ds:datastoreItem>
+</file>
+
+<file path=customXml/itemProps3.xml><?xml version="1.0" encoding="utf-8"?>
 <ds:datastoreItem xmlns:ds="http://schemas.openxmlformats.org/officeDocument/2006/customXml" ds:itemID="{44FAF7B5-E40C-46BE-9C83-DA251FCAE61E}">
   <ds:schemaRefs>
     <ds:schemaRef ds:uri="http://schemas.microsoft.com/office/2006/metadata/properties"/>
@@ -15358,12 +15471,4 @@
     <ds:schemaRef ds:uri="71af3243-3dd4-4a8d-8c0d-dd76da1f02a5"/>
   </ds:schemaRefs>
 </ds:datastoreItem>
-</file>
-
-<file path=customXml/itemProps3.xml><?xml version="1.0" encoding="utf-8"?>
-<ds:datastoreItem xmlns:ds="http://schemas.openxmlformats.org/officeDocument/2006/customXml" ds:itemID="{5029FA76-0C86-4BF1-99F1-A3115FBFFAB0}">
-  <ds:schemaRefs>
-    <ds:schemaRef ds:uri="http://schemas.microsoft.com/sharepoint/v3/contenttype/forms"/>
-  </ds:schemaRefs>
-</ds:datastoreItem>
 </file>